--- a/Defect/Defect_001.pptx
+++ b/Defect/Defect_001.pptx
@@ -3735,36 +3735,6 @@
           </a:p>
         </p:txBody>
       </p:sp>
-      <p:pic>
-        <p:nvPicPr>
-          <p:cNvPr id="6" name="Picture 5">
-            <a:extLst>
-              <a:ext uri="{FF2B5EF4-FFF2-40B4-BE49-F238E27FC236}">
-                <a16:creationId xmlns:a16="http://schemas.microsoft.com/office/drawing/2014/main" id="{E80C65B4-BE38-4B0F-9773-4C17713C77CD}"/>
-              </a:ext>
-            </a:extLst>
-          </p:cNvPr>
-          <p:cNvPicPr>
-            <a:picLocks noChangeAspect="1"/>
-          </p:cNvPicPr>
-          <p:nvPr/>
-        </p:nvPicPr>
-        <p:blipFill>
-          <a:blip r:embed="rId2"/>
-          <a:stretch>
-            <a:fillRect/>
-          </a:stretch>
-        </p:blipFill>
-        <p:spPr>
-          <a:xfrm>
-            <a:off x="5227244" y="2586917"/>
-            <a:ext cx="1737511" cy="1684166"/>
-          </a:xfrm>
-          <a:prstGeom prst="rect">
-            <a:avLst/>
-          </a:prstGeom>
-        </p:spPr>
-      </p:pic>
     </p:spTree>
     <p:extLst>
       <p:ext uri="{BB962C8B-B14F-4D97-AF65-F5344CB8AC3E}">

--- a/Defect/Defect_001.pptx
+++ b/Defect/Defect_001.pptx
@@ -3709,7 +3709,7 @@
         <p:spPr>
           <a:xfrm>
             <a:off x="6214490" y="1406656"/>
-            <a:ext cx="1904689" cy="1015663"/>
+            <a:ext cx="5064207" cy="1015663"/>
           </a:xfrm>
           <a:prstGeom prst="rect">
             <a:avLst/>
@@ -3722,14 +3722,14 @@
           <a:lstStyle/>
           <a:p>
             <a:r>
-              <a:rPr lang="th-TH" sz="6000" dirty="0">
+              <a:rPr lang="en-US" sz="6000" dirty="0" err="1">
                 <a:solidFill>
                   <a:srgbClr val="FF0000"/>
                 </a:solidFill>
                 <a:latin typeface="Itim" panose="00000500000000000000" pitchFamily="2" charset="-34"/>
                 <a:cs typeface="Itim" panose="00000500000000000000" pitchFamily="2" charset="-34"/>
               </a:rPr>
-              <a:t>ลบทิ้ง</a:t>
+              <a:t>dqwdqwdqwdd</a:t>
             </a:r>
             <a:endParaRPr lang="en-US" sz="6000" dirty="0"/>
           </a:p>

--- a/Defect/Defect_001.pptx
+++ b/Defect/Defect_001.pptx
@@ -3709,7 +3709,7 @@
         <p:spPr>
           <a:xfrm>
             <a:off x="6214490" y="1406656"/>
-            <a:ext cx="5064207" cy="1015663"/>
+            <a:ext cx="1997663" cy="1015663"/>
           </a:xfrm>
           <a:prstGeom prst="rect">
             <a:avLst/>
@@ -3729,7 +3729,7 @@
                 <a:latin typeface="Itim" panose="00000500000000000000" pitchFamily="2" charset="-34"/>
                 <a:cs typeface="Itim" panose="00000500000000000000" pitchFamily="2" charset="-34"/>
               </a:rPr>
-              <a:t>dqwdqwdqwdd</a:t>
+              <a:t>youporn</a:t>
             </a:r>
             <a:endParaRPr lang="en-US" sz="6000" dirty="0"/>
           </a:p>

--- a/Defect/Defect_001.pptx
+++ b/Defect/Defect_001.pptx
@@ -3709,7 +3709,7 @@
         <p:spPr>
           <a:xfrm>
             <a:off x="6214490" y="1406656"/>
-            <a:ext cx="1997663" cy="1015663"/>
+            <a:ext cx="2555508" cy="1015663"/>
           </a:xfrm>
           <a:prstGeom prst="rect">
             <a:avLst/>
@@ -3722,14 +3722,14 @@
           <a:lstStyle/>
           <a:p>
             <a:r>
-              <a:rPr lang="en-US" sz="6000" dirty="0" err="1">
+              <a:rPr lang="en-US" sz="6000">
                 <a:solidFill>
                   <a:srgbClr val="FF0000"/>
                 </a:solidFill>
                 <a:latin typeface="Itim" panose="00000500000000000000" pitchFamily="2" charset="-34"/>
                 <a:cs typeface="Itim" panose="00000500000000000000" pitchFamily="2" charset="-34"/>
               </a:rPr>
-              <a:t>youporn</a:t>
+              <a:t>youporn01</a:t>
             </a:r>
             <a:endParaRPr lang="en-US" sz="6000" dirty="0"/>
           </a:p>

--- a/Defect/Defect_001.pptx
+++ b/Defect/Defect_001.pptx
@@ -3709,7 +3709,7 @@
         <p:spPr>
           <a:xfrm>
             <a:off x="6214490" y="1406656"/>
-            <a:ext cx="2555508" cy="1015663"/>
+            <a:ext cx="1997663" cy="1015663"/>
           </a:xfrm>
           <a:prstGeom prst="rect">
             <a:avLst/>
@@ -3722,14 +3722,14 @@
           <a:lstStyle/>
           <a:p>
             <a:r>
-              <a:rPr lang="en-US" sz="6000">
+              <a:rPr lang="en-US" sz="6000" dirty="0" err="1">
                 <a:solidFill>
                   <a:srgbClr val="FF0000"/>
                 </a:solidFill>
                 <a:latin typeface="Itim" panose="00000500000000000000" pitchFamily="2" charset="-34"/>
                 <a:cs typeface="Itim" panose="00000500000000000000" pitchFamily="2" charset="-34"/>
               </a:rPr>
-              <a:t>youporn01</a:t>
+              <a:t>youporn</a:t>
             </a:r>
             <a:endParaRPr lang="en-US" sz="6000" dirty="0"/>
           </a:p>

--- a/Defect/Defect_001.pptx
+++ b/Defect/Defect_001.pptx
@@ -3709,7 +3709,7 @@
         <p:spPr>
           <a:xfrm>
             <a:off x="6214490" y="1406656"/>
-            <a:ext cx="1997663" cy="1015663"/>
+            <a:ext cx="966931" cy="1015663"/>
           </a:xfrm>
           <a:prstGeom prst="rect">
             <a:avLst/>
@@ -3729,7 +3729,7 @@
                 <a:latin typeface="Itim" panose="00000500000000000000" pitchFamily="2" charset="-34"/>
                 <a:cs typeface="Itim" panose="00000500000000000000" pitchFamily="2" charset="-34"/>
               </a:rPr>
-              <a:t>youporn</a:t>
+              <a:t>kuy</a:t>
             </a:r>
             <a:endParaRPr lang="en-US" sz="6000" dirty="0"/>
           </a:p>

--- a/Defect/Defect_001.pptx
+++ b/Defect/Defect_001.pptx
@@ -3440,7 +3440,7 @@
         <p:spPr>
           <a:xfrm>
             <a:off x="6214490" y="1406656"/>
-            <a:ext cx="2688557" cy="1015663"/>
+            <a:ext cx="2236510" cy="1015663"/>
           </a:xfrm>
           <a:prstGeom prst="rect">
             <a:avLst/>
@@ -3460,7 +3460,7 @@
                 <a:latin typeface="Itim" panose="00000500000000000000" pitchFamily="2" charset="-34"/>
                 <a:cs typeface="Itim" panose="00000500000000000000" pitchFamily="2" charset="-34"/>
               </a:rPr>
-              <a:t>ลบไม่ได้</a:t>
+              <a:t>ลบไม่ได้1</a:t>
             </a:r>
             <a:endParaRPr lang="en-US" sz="6000" dirty="0"/>
           </a:p>

--- a/Defect/Defect_001.pptx
+++ b/Defect/Defect_001.pptx
@@ -3440,7 +3440,7 @@
         <p:spPr>
           <a:xfrm>
             <a:off x="6214490" y="1406656"/>
-            <a:ext cx="2236510" cy="1015663"/>
+            <a:ext cx="2688557" cy="1015663"/>
           </a:xfrm>
           <a:prstGeom prst="rect">
             <a:avLst/>
@@ -3460,7 +3460,7 @@
                 <a:latin typeface="Itim" panose="00000500000000000000" pitchFamily="2" charset="-34"/>
                 <a:cs typeface="Itim" panose="00000500000000000000" pitchFamily="2" charset="-34"/>
               </a:rPr>
-              <a:t>ลบไม่ได้1</a:t>
+              <a:t>ลบไม่ได้</a:t>
             </a:r>
             <a:endParaRPr lang="en-US" sz="6000" dirty="0"/>
           </a:p>

--- a/Defect/Defect_001.pptx
+++ b/Defect/Defect_001.pptx
@@ -3735,6 +3735,83 @@
           </a:p>
         </p:txBody>
       </p:sp>
+      <p:pic>
+        <p:nvPicPr>
+          <p:cNvPr id="3" name="Picture 2">
+            <a:extLst>
+              <a:ext uri="{FF2B5EF4-FFF2-40B4-BE49-F238E27FC236}">
+                <a16:creationId xmlns:a16="http://schemas.microsoft.com/office/drawing/2014/main" id="{B087AF80-A21A-4C1D-8576-8312538A9569}"/>
+              </a:ext>
+            </a:extLst>
+          </p:cNvPr>
+          <p:cNvPicPr>
+            <a:picLocks noChangeAspect="1"/>
+          </p:cNvPicPr>
+          <p:nvPr/>
+        </p:nvPicPr>
+        <p:blipFill>
+          <a:blip r:embed="rId2">
+            <a:extLst>
+              <a:ext uri="{28A0092B-C50C-407E-A947-70E740481C1C}">
+                <a14:useLocalDpi xmlns:a14="http://schemas.microsoft.com/office/drawing/2010/main" val="0"/>
+              </a:ext>
+            </a:extLst>
+          </a:blip>
+          <a:stretch>
+            <a:fillRect/>
+          </a:stretch>
+        </p:blipFill>
+        <p:spPr>
+          <a:xfrm>
+            <a:off x="0" y="1550504"/>
+            <a:ext cx="12192000" cy="3756991"/>
+          </a:xfrm>
+          <a:prstGeom prst="rect">
+            <a:avLst/>
+          </a:prstGeom>
+        </p:spPr>
+      </p:pic>
+      <p:sp>
+        <p:nvSpPr>
+          <p:cNvPr id="4" name="Rectangle 3">
+            <a:extLst>
+              <a:ext uri="{FF2B5EF4-FFF2-40B4-BE49-F238E27FC236}">
+                <a16:creationId xmlns:a16="http://schemas.microsoft.com/office/drawing/2014/main" id="{C3D08342-0A4E-4A3C-8596-14C3D2B1BFC4}"/>
+              </a:ext>
+            </a:extLst>
+          </p:cNvPr>
+          <p:cNvSpPr/>
+          <p:nvPr/>
+        </p:nvSpPr>
+        <p:spPr>
+          <a:xfrm>
+            <a:off x="5044247" y="1406656"/>
+            <a:ext cx="3236784" cy="769441"/>
+          </a:xfrm>
+          <a:prstGeom prst="rect">
+            <a:avLst/>
+          </a:prstGeom>
+        </p:spPr>
+        <p:txBody>
+          <a:bodyPr wrap="none">
+            <a:spAutoFit/>
+          </a:bodyPr>
+          <a:lstStyle/>
+          <a:p>
+            <a:r>
+              <a:rPr lang="th-TH" sz="4400" dirty="0">
+                <a:solidFill>
+                  <a:srgbClr val="FF0000"/>
+                </a:solidFill>
+                <a:latin typeface="Itim" panose="00000500000000000000" pitchFamily="2" charset="-34"/>
+                <a:cs typeface="Itim" panose="00000500000000000000" pitchFamily="2" charset="-34"/>
+              </a:rPr>
+              <a:t>ใช้แล้วห้ามแก้</a:t>
+            </a:r>
+            <a:endParaRPr lang="en-US" sz="4400" dirty="0"/>
+          </a:p>
+        </p:txBody>
+      </p:sp>
     </p:spTree>
     <p:extLst>
       <p:ext uri="{BB962C8B-B14F-4D97-AF65-F5344CB8AC3E}">
@@ -3836,6 +3913,113 @@
           </a:prstGeom>
         </p:spPr>
       </p:pic>
+      <p:pic>
+        <p:nvPicPr>
+          <p:cNvPr id="3" name="Picture 2">
+            <a:extLst>
+              <a:ext uri="{FF2B5EF4-FFF2-40B4-BE49-F238E27FC236}">
+                <a16:creationId xmlns:a16="http://schemas.microsoft.com/office/drawing/2014/main" id="{25D42525-2DC3-4174-9308-BF399C18C127}"/>
+              </a:ext>
+            </a:extLst>
+          </p:cNvPr>
+          <p:cNvPicPr>
+            <a:picLocks noChangeAspect="1"/>
+          </p:cNvPicPr>
+          <p:nvPr/>
+        </p:nvPicPr>
+        <p:blipFill>
+          <a:blip r:embed="rId3">
+            <a:extLst>
+              <a:ext uri="{28A0092B-C50C-407E-A947-70E740481C1C}">
+                <a14:useLocalDpi xmlns:a14="http://schemas.microsoft.com/office/drawing/2010/main" val="0"/>
+              </a:ext>
+            </a:extLst>
+          </a:blip>
+          <a:stretch>
+            <a:fillRect/>
+          </a:stretch>
+        </p:blipFill>
+        <p:spPr>
+          <a:xfrm>
+            <a:off x="1249260" y="1158043"/>
+            <a:ext cx="9693480" cy="4541914"/>
+          </a:xfrm>
+          <a:prstGeom prst="rect">
+            <a:avLst/>
+          </a:prstGeom>
+        </p:spPr>
+      </p:pic>
+      <p:sp>
+        <p:nvSpPr>
+          <p:cNvPr id="4" name="Rectangle 3">
+            <a:extLst>
+              <a:ext uri="{FF2B5EF4-FFF2-40B4-BE49-F238E27FC236}">
+                <a16:creationId xmlns:a16="http://schemas.microsoft.com/office/drawing/2014/main" id="{1EC5570D-86A2-4182-8E52-E91B974029A4}"/>
+              </a:ext>
+            </a:extLst>
+          </p:cNvPr>
+          <p:cNvSpPr/>
+          <p:nvPr/>
+        </p:nvSpPr>
+        <p:spPr>
+          <a:xfrm>
+            <a:off x="2626007" y="0"/>
+            <a:ext cx="7176965" cy="1446550"/>
+          </a:xfrm>
+          <a:prstGeom prst="rect">
+            <a:avLst/>
+          </a:prstGeom>
+        </p:spPr>
+        <p:txBody>
+          <a:bodyPr wrap="none">
+            <a:spAutoFit/>
+          </a:bodyPr>
+          <a:lstStyle/>
+          <a:p>
+            <a:r>
+              <a:rPr lang="th-TH" sz="4400" dirty="0">
+                <a:solidFill>
+                  <a:srgbClr val="FF0000"/>
+                </a:solidFill>
+                <a:latin typeface="Itim" panose="00000500000000000000" pitchFamily="2" charset="-34"/>
+                <a:cs typeface="Itim" panose="00000500000000000000" pitchFamily="2" charset="-34"/>
+              </a:rPr>
+              <a:t>เพิ่ม</a:t>
+            </a:r>
+            <a:r>
+              <a:rPr lang="th-TH" sz="8800" dirty="0" err="1">
+                <a:solidFill>
+                  <a:srgbClr val="FF0000"/>
+                </a:solidFill>
+                <a:latin typeface="Itim" panose="00000500000000000000" pitchFamily="2" charset="-34"/>
+                <a:cs typeface="Itim" panose="00000500000000000000" pitchFamily="2" charset="-34"/>
+              </a:rPr>
+              <a:t>ฟิว</a:t>
+            </a:r>
+            <a:r>
+              <a:rPr lang="th-TH" sz="4400" dirty="0">
+                <a:solidFill>
+                  <a:srgbClr val="FF0000"/>
+                </a:solidFill>
+                <a:latin typeface="Itim" panose="00000500000000000000" pitchFamily="2" charset="-34"/>
+                <a:cs typeface="Itim" panose="00000500000000000000" pitchFamily="2" charset="-34"/>
+              </a:rPr>
+              <a:t> </a:t>
+            </a:r>
+            <a:r>
+              <a:rPr lang="en-US" sz="4400" dirty="0">
+                <a:solidFill>
+                  <a:srgbClr val="FF0000"/>
+                </a:solidFill>
+                <a:latin typeface="Itim" panose="00000500000000000000" pitchFamily="2" charset="-34"/>
+                <a:cs typeface="Itim" panose="00000500000000000000" pitchFamily="2" charset="-34"/>
+              </a:rPr>
+              <a:t> MENU, PRG_NAME</a:t>
+            </a:r>
+            <a:endParaRPr lang="en-US" sz="4400" dirty="0"/>
+          </a:p>
+        </p:txBody>
+      </p:sp>
     </p:spTree>
     <p:extLst>
       <p:ext uri="{BB962C8B-B14F-4D97-AF65-F5344CB8AC3E}">
@@ -3880,8 +4064,8 @@
         </p:nvSpPr>
         <p:spPr>
           <a:xfrm>
-            <a:off x="6214490" y="1406656"/>
-            <a:ext cx="1904689" cy="1015663"/>
+            <a:off x="3400446" y="428958"/>
+            <a:ext cx="5751896" cy="1015663"/>
           </a:xfrm>
           <a:prstGeom prst="rect">
             <a:avLst/>
@@ -3894,14 +4078,14 @@
           <a:lstStyle/>
           <a:p>
             <a:r>
-              <a:rPr lang="th-TH" sz="6000" dirty="0">
+              <a:rPr lang="en-US" sz="6000" dirty="0">
                 <a:solidFill>
                   <a:srgbClr val="FF0000"/>
                 </a:solidFill>
                 <a:latin typeface="Itim" panose="00000500000000000000" pitchFamily="2" charset="-34"/>
                 <a:cs typeface="Itim" panose="00000500000000000000" pitchFamily="2" charset="-34"/>
               </a:rPr>
-              <a:t>ลบทิ้ง</a:t>
+              <a:t>Change grid view</a:t>
             </a:r>
             <a:endParaRPr lang="en-US" sz="6000" dirty="0"/>
           </a:p>
@@ -3909,10 +4093,10 @@
       </p:sp>
       <p:pic>
         <p:nvPicPr>
-          <p:cNvPr id="6" name="Picture 5">
-            <a:extLst>
-              <a:ext uri="{FF2B5EF4-FFF2-40B4-BE49-F238E27FC236}">
-                <a16:creationId xmlns:a16="http://schemas.microsoft.com/office/drawing/2014/main" id="{E80C65B4-BE38-4B0F-9773-4C17713C77CD}"/>
+          <p:cNvPr id="9" name="Picture 8">
+            <a:extLst>
+              <a:ext uri="{FF2B5EF4-FFF2-40B4-BE49-F238E27FC236}">
+                <a16:creationId xmlns:a16="http://schemas.microsoft.com/office/drawing/2014/main" id="{DFD6E9B9-B6E5-4EA4-AD04-B27652D8E133}"/>
               </a:ext>
             </a:extLst>
           </p:cNvPr>
@@ -3922,21 +4106,114 @@
           <p:nvPr/>
         </p:nvPicPr>
         <p:blipFill>
-          <a:blip r:embed="rId2"/>
+          <a:blip r:embed="rId2">
+            <a:extLst>
+              <a:ext uri="{28A0092B-C50C-407E-A947-70E740481C1C}">
+                <a14:useLocalDpi xmlns:a14="http://schemas.microsoft.com/office/drawing/2010/main" val="0"/>
+              </a:ext>
+            </a:extLst>
+          </a:blip>
           <a:stretch>
             <a:fillRect/>
           </a:stretch>
         </p:blipFill>
         <p:spPr>
           <a:xfrm>
-            <a:off x="5227244" y="2586917"/>
-            <a:ext cx="1737511" cy="1684166"/>
+            <a:off x="605314" y="1843902"/>
+            <a:ext cx="10981372" cy="3170195"/>
           </a:xfrm>
           <a:prstGeom prst="rect">
             <a:avLst/>
           </a:prstGeom>
         </p:spPr>
       </p:pic>
+      <p:sp>
+        <p:nvSpPr>
+          <p:cNvPr id="10" name="Multiplication Sign 9">
+            <a:extLst>
+              <a:ext uri="{FF2B5EF4-FFF2-40B4-BE49-F238E27FC236}">
+                <a16:creationId xmlns:a16="http://schemas.microsoft.com/office/drawing/2014/main" id="{E8ED49CB-3251-4501-892A-385EEB25ACB7}"/>
+              </a:ext>
+            </a:extLst>
+          </p:cNvPr>
+          <p:cNvSpPr/>
+          <p:nvPr/>
+        </p:nvSpPr>
+        <p:spPr>
+          <a:xfrm>
+            <a:off x="3160450" y="2672179"/>
+            <a:ext cx="2317072" cy="1722268"/>
+          </a:xfrm>
+          <a:prstGeom prst="mathMultiply">
+            <a:avLst/>
+          </a:prstGeom>
+        </p:spPr>
+        <p:style>
+          <a:lnRef idx="2">
+            <a:schemeClr val="accent1">
+              <a:shade val="50000"/>
+            </a:schemeClr>
+          </a:lnRef>
+          <a:fillRef idx="1">
+            <a:schemeClr val="accent1"/>
+          </a:fillRef>
+          <a:effectRef idx="0">
+            <a:schemeClr val="accent1"/>
+          </a:effectRef>
+          <a:fontRef idx="minor">
+            <a:schemeClr val="lt1"/>
+          </a:fontRef>
+        </p:style>
+        <p:txBody>
+          <a:bodyPr rtlCol="0" anchor="ctr"/>
+          <a:lstStyle/>
+          <a:p>
+            <a:pPr algn="ctr"/>
+            <a:endParaRPr lang="en-US"/>
+          </a:p>
+        </p:txBody>
+      </p:sp>
+      <p:sp>
+        <p:nvSpPr>
+          <p:cNvPr id="11" name="Rectangle 10">
+            <a:extLst>
+              <a:ext uri="{FF2B5EF4-FFF2-40B4-BE49-F238E27FC236}">
+                <a16:creationId xmlns:a16="http://schemas.microsoft.com/office/drawing/2014/main" id="{CCBCDA06-9CF4-498E-A84F-F6581CF2B343}"/>
+              </a:ext>
+            </a:extLst>
+          </p:cNvPr>
+          <p:cNvSpPr/>
+          <p:nvPr/>
+        </p:nvSpPr>
+        <p:spPr>
+          <a:xfrm>
+            <a:off x="2738991" y="2269533"/>
+            <a:ext cx="3357009" cy="1015663"/>
+          </a:xfrm>
+          <a:prstGeom prst="rect">
+            <a:avLst/>
+          </a:prstGeom>
+        </p:spPr>
+        <p:txBody>
+          <a:bodyPr wrap="none">
+            <a:spAutoFit/>
+          </a:bodyPr>
+          <a:lstStyle/>
+          <a:p>
+            <a:r>
+              <a:rPr lang="en-US" sz="6000" dirty="0" err="1">
+                <a:solidFill>
+                  <a:srgbClr val="FF0000"/>
+                </a:solidFill>
+                <a:latin typeface="Itim" panose="00000500000000000000" pitchFamily="2" charset="-34"/>
+                <a:cs typeface="Itim" panose="00000500000000000000" pitchFamily="2" charset="-34"/>
+              </a:rPr>
+              <a:t>App_code</a:t>
+            </a:r>
+            <a:endParaRPr lang="en-US" sz="6000" dirty="0"/>
+          </a:p>
+        </p:txBody>
+      </p:sp>
     </p:spTree>
     <p:extLst>
       <p:ext uri="{BB962C8B-B14F-4D97-AF65-F5344CB8AC3E}">

--- a/Defect/Defect_001.pptx
+++ b/Defect/Defect_001.pptx
@@ -275,7 +275,7 @@
           <a:p>
             <a:fld id="{FE4CC590-84D8-4FAB-8DB0-F45296D32AF0}" type="datetimeFigureOut">
               <a:rPr lang="en-US" smtClean="0"/>
-              <a:t>2/15/2019</a:t>
+              <a:t>2/17/2019</a:t>
             </a:fld>
             <a:endParaRPr lang="en-US"/>
           </a:p>
@@ -473,7 +473,7 @@
           <a:p>
             <a:fld id="{FE4CC590-84D8-4FAB-8DB0-F45296D32AF0}" type="datetimeFigureOut">
               <a:rPr lang="en-US" smtClean="0"/>
-              <a:t>2/15/2019</a:t>
+              <a:t>2/17/2019</a:t>
             </a:fld>
             <a:endParaRPr lang="en-US"/>
           </a:p>
@@ -681,7 +681,7 @@
           <a:p>
             <a:fld id="{FE4CC590-84D8-4FAB-8DB0-F45296D32AF0}" type="datetimeFigureOut">
               <a:rPr lang="en-US" smtClean="0"/>
-              <a:t>2/15/2019</a:t>
+              <a:t>2/17/2019</a:t>
             </a:fld>
             <a:endParaRPr lang="en-US"/>
           </a:p>
@@ -879,7 +879,7 @@
           <a:p>
             <a:fld id="{FE4CC590-84D8-4FAB-8DB0-F45296D32AF0}" type="datetimeFigureOut">
               <a:rPr lang="en-US" smtClean="0"/>
-              <a:t>2/15/2019</a:t>
+              <a:t>2/17/2019</a:t>
             </a:fld>
             <a:endParaRPr lang="en-US"/>
           </a:p>
@@ -1154,7 +1154,7 @@
           <a:p>
             <a:fld id="{FE4CC590-84D8-4FAB-8DB0-F45296D32AF0}" type="datetimeFigureOut">
               <a:rPr lang="en-US" smtClean="0"/>
-              <a:t>2/15/2019</a:t>
+              <a:t>2/17/2019</a:t>
             </a:fld>
             <a:endParaRPr lang="en-US"/>
           </a:p>
@@ -1419,7 +1419,7 @@
           <a:p>
             <a:fld id="{FE4CC590-84D8-4FAB-8DB0-F45296D32AF0}" type="datetimeFigureOut">
               <a:rPr lang="en-US" smtClean="0"/>
-              <a:t>2/15/2019</a:t>
+              <a:t>2/17/2019</a:t>
             </a:fld>
             <a:endParaRPr lang="en-US"/>
           </a:p>
@@ -1831,7 +1831,7 @@
           <a:p>
             <a:fld id="{FE4CC590-84D8-4FAB-8DB0-F45296D32AF0}" type="datetimeFigureOut">
               <a:rPr lang="en-US" smtClean="0"/>
-              <a:t>2/15/2019</a:t>
+              <a:t>2/17/2019</a:t>
             </a:fld>
             <a:endParaRPr lang="en-US"/>
           </a:p>
@@ -1972,7 +1972,7 @@
           <a:p>
             <a:fld id="{FE4CC590-84D8-4FAB-8DB0-F45296D32AF0}" type="datetimeFigureOut">
               <a:rPr lang="en-US" smtClean="0"/>
-              <a:t>2/15/2019</a:t>
+              <a:t>2/17/2019</a:t>
             </a:fld>
             <a:endParaRPr lang="en-US"/>
           </a:p>
@@ -2085,7 +2085,7 @@
           <a:p>
             <a:fld id="{FE4CC590-84D8-4FAB-8DB0-F45296D32AF0}" type="datetimeFigureOut">
               <a:rPr lang="en-US" smtClean="0"/>
-              <a:t>2/15/2019</a:t>
+              <a:t>2/17/2019</a:t>
             </a:fld>
             <a:endParaRPr lang="en-US"/>
           </a:p>
@@ -2396,7 +2396,7 @@
           <a:p>
             <a:fld id="{FE4CC590-84D8-4FAB-8DB0-F45296D32AF0}" type="datetimeFigureOut">
               <a:rPr lang="en-US" smtClean="0"/>
-              <a:t>2/15/2019</a:t>
+              <a:t>2/17/2019</a:t>
             </a:fld>
             <a:endParaRPr lang="en-US"/>
           </a:p>
@@ -2684,7 +2684,7 @@
           <a:p>
             <a:fld id="{FE4CC590-84D8-4FAB-8DB0-F45296D32AF0}" type="datetimeFigureOut">
               <a:rPr lang="en-US" smtClean="0"/>
-              <a:t>2/15/2019</a:t>
+              <a:t>2/17/2019</a:t>
             </a:fld>
             <a:endParaRPr lang="en-US"/>
           </a:p>
@@ -2928,7 +2928,7 @@
           <a:p>
             <a:fld id="{FE4CC590-84D8-4FAB-8DB0-F45296D32AF0}" type="datetimeFigureOut">
               <a:rPr lang="en-US" smtClean="0"/>
-              <a:t>2/15/2019</a:t>
+              <a:t>2/17/2019</a:t>
             </a:fld>
             <a:endParaRPr lang="en-US"/>
           </a:p>
@@ -4020,6 +4020,50 @@
           </a:p>
         </p:txBody>
       </p:sp>
+      <p:sp>
+        <p:nvSpPr>
+          <p:cNvPr id="2" name="Rectangle 1">
+            <a:extLst>
+              <a:ext uri="{FF2B5EF4-FFF2-40B4-BE49-F238E27FC236}">
+                <a16:creationId xmlns:a16="http://schemas.microsoft.com/office/drawing/2014/main" id="{BCC066E8-CB53-4025-8B4A-82A0C7578F78}"/>
+              </a:ext>
+            </a:extLst>
+          </p:cNvPr>
+          <p:cNvSpPr/>
+          <p:nvPr/>
+        </p:nvSpPr>
+        <p:spPr>
+          <a:xfrm>
+            <a:off x="2880244" y="1318790"/>
+            <a:ext cx="5238935" cy="4508927"/>
+          </a:xfrm>
+          <a:prstGeom prst="rect">
+            <a:avLst/>
+          </a:prstGeom>
+        </p:spPr>
+        <p:txBody>
+          <a:bodyPr wrap="none">
+            <a:spAutoFit/>
+          </a:bodyPr>
+          <a:lstStyle/>
+          <a:p>
+            <a:r>
+              <a:rPr lang="en-US" sz="28700" dirty="0">
+                <a:solidFill>
+                  <a:schemeClr val="accent6"/>
+                </a:solidFill>
+                <a:latin typeface="Segoe UI Emoji" panose="020B0502040204020203" pitchFamily="34" charset="0"/>
+              </a:rPr>
+              <a:t>✔️</a:t>
+            </a:r>
+            <a:endParaRPr lang="en-US" sz="28700" dirty="0">
+              <a:solidFill>
+                <a:schemeClr val="accent6"/>
+              </a:solidFill>
+            </a:endParaRPr>
+          </a:p>
+        </p:txBody>
+      </p:sp>
     </p:spTree>
     <p:extLst>
       <p:ext uri="{BB962C8B-B14F-4D97-AF65-F5344CB8AC3E}">
@@ -4211,6 +4255,50 @@
               <a:t>App_code</a:t>
             </a:r>
             <a:endParaRPr lang="en-US" sz="6000" dirty="0"/>
+          </a:p>
+        </p:txBody>
+      </p:sp>
+      <p:sp>
+        <p:nvSpPr>
+          <p:cNvPr id="2" name="Rectangle 1">
+            <a:extLst>
+              <a:ext uri="{FF2B5EF4-FFF2-40B4-BE49-F238E27FC236}">
+                <a16:creationId xmlns:a16="http://schemas.microsoft.com/office/drawing/2014/main" id="{9468030D-F22E-4E34-B99A-36527AEDE7AE}"/>
+              </a:ext>
+            </a:extLst>
+          </p:cNvPr>
+          <p:cNvSpPr/>
+          <p:nvPr/>
+        </p:nvSpPr>
+        <p:spPr>
+          <a:xfrm>
+            <a:off x="1987476" y="61236"/>
+            <a:ext cx="7457491" cy="6447919"/>
+          </a:xfrm>
+          <a:prstGeom prst="rect">
+            <a:avLst/>
+          </a:prstGeom>
+        </p:spPr>
+        <p:txBody>
+          <a:bodyPr wrap="none">
+            <a:spAutoFit/>
+          </a:bodyPr>
+          <a:lstStyle/>
+          <a:p>
+            <a:r>
+              <a:rPr lang="en-US" sz="41300" dirty="0">
+                <a:solidFill>
+                  <a:schemeClr val="accent6"/>
+                </a:solidFill>
+                <a:latin typeface="Segoe UI Emoji" panose="020B0502040204020203" pitchFamily="34" charset="0"/>
+              </a:rPr>
+              <a:t>✔️</a:t>
+            </a:r>
+            <a:endParaRPr lang="en-US" sz="41300" dirty="0">
+              <a:solidFill>
+                <a:schemeClr val="accent6"/>
+              </a:solidFill>
+            </a:endParaRPr>
           </a:p>
         </p:txBody>
       </p:sp>
